--- a/Анализ холодных звонков.pptx
+++ b/Анализ холодных звонков.pptx
@@ -15,6 +15,7 @@
     <p:sldId id="263" r:id="rId9"/>
     <p:sldId id="264" r:id="rId10"/>
     <p:sldId id="265" r:id="rId11"/>
+    <p:sldId id="266" r:id="rId12"/>
   </p:sldIdLst>
   <p:sldSz cx="9144000" cy="6858000" type="screen4x3"/>
   <p:notesSz cx="6858000" cy="9144000"/>
@@ -6547,14 +6548,7 @@
                 <a:latin typeface="Times New Roman" pitchFamily="18" charset="0"/>
                 <a:cs typeface="Times New Roman" pitchFamily="18" charset="0"/>
               </a:rPr>
-              <a:t>(покупка автомобильной страховки</a:t>
-            </a:r>
-            <a:r>
-              <a:rPr lang="ru-RU" dirty="0" smtClean="0">
-                <a:latin typeface="Times New Roman" pitchFamily="18" charset="0"/>
-                <a:cs typeface="Times New Roman" pitchFamily="18" charset="0"/>
-              </a:rPr>
-              <a:t>)</a:t>
+              <a:t>(покупка автомобильной страховки)</a:t>
             </a:r>
             <a:endParaRPr lang="en-US" dirty="0" smtClean="0">
               <a:latin typeface="Times New Roman" pitchFamily="18" charset="0"/>
@@ -6615,10 +6609,6 @@
               </a:rPr>
               <a:t>cdban7@yandex.ru</a:t>
             </a:r>
-            <a:endParaRPr lang="en-US" dirty="0" smtClean="0">
-              <a:latin typeface="Times New Roman" pitchFamily="18" charset="0"/>
-              <a:cs typeface="Times New Roman" pitchFamily="18" charset="0"/>
-            </a:endParaRPr>
           </a:p>
           <a:p>
             <a:endParaRPr lang="ru-RU" dirty="0">
@@ -6682,7 +6672,34 @@
                 <a:latin typeface="Times New Roman" pitchFamily="18" charset="0"/>
                 <a:cs typeface="Times New Roman" pitchFamily="18" charset="0"/>
               </a:rPr>
-              <a:t>ПРИМЕНЕНИЕ    МОДЕЛИ   И                          АНАЛИЗ   РЕЗУЛЬТАТОВ</a:t>
+              <a:t>ПРИМЕНЕНИЕ    МОДЕЛИ   И  </a:t>
+            </a:r>
+            <a:r>
+              <a:rPr lang="en-US" sz="2800" dirty="0" smtClean="0">
+                <a:latin typeface="Times New Roman" pitchFamily="18" charset="0"/>
+                <a:cs typeface="Times New Roman" pitchFamily="18" charset="0"/>
+              </a:rPr>
+              <a:t/>
+            </a:r>
+            <a:br>
+              <a:rPr lang="en-US" sz="2800" dirty="0" smtClean="0">
+                <a:latin typeface="Times New Roman" pitchFamily="18" charset="0"/>
+                <a:cs typeface="Times New Roman" pitchFamily="18" charset="0"/>
+              </a:rPr>
+            </a:br>
+            <a:r>
+              <a:rPr lang="ru-RU" sz="2800" dirty="0" smtClean="0">
+                <a:latin typeface="Times New Roman" pitchFamily="18" charset="0"/>
+                <a:cs typeface="Times New Roman" pitchFamily="18" charset="0"/>
+              </a:rPr>
+              <a:t>АНАЛИЗ   </a:t>
+            </a:r>
+            <a:r>
+              <a:rPr lang="ru-RU" sz="2800" dirty="0" smtClean="0">
+                <a:latin typeface="Times New Roman" pitchFamily="18" charset="0"/>
+                <a:cs typeface="Times New Roman" pitchFamily="18" charset="0"/>
+              </a:rPr>
+              <a:t>РЕЗУЛЬТАТОВ</a:t>
             </a:r>
             <a:endParaRPr lang="ru-RU" sz="2800" dirty="0">
               <a:latin typeface="Times New Roman" pitchFamily="18" charset="0"/>
@@ -6709,7 +6726,7 @@
         </p:spPr>
         <p:txBody>
           <a:bodyPr>
-            <a:normAutofit lnSpcReduction="10000"/>
+            <a:normAutofit fontScale="92500"/>
           </a:bodyPr>
           <a:lstStyle/>
           <a:p>
@@ -6718,7 +6735,7 @@
                 <a:latin typeface="Times New Roman" pitchFamily="18" charset="0"/>
                 <a:cs typeface="Times New Roman" pitchFamily="18" charset="0"/>
               </a:rPr>
-              <a:t>'</a:t>
+              <a:t>В построенном предсказании   '</a:t>
             </a:r>
             <a:r>
               <a:rPr lang="ru-RU" sz="3200" dirty="0" err="1" smtClean="0">
@@ -6738,6 +6755,273 @@
               <a:latin typeface="Times New Roman" pitchFamily="18" charset="0"/>
               <a:cs typeface="Times New Roman" pitchFamily="18" charset="0"/>
             </a:endParaRPr>
+          </a:p>
+        </p:txBody>
+      </p:sp>
+    </p:spTree>
+  </p:cSld>
+  <p:clrMapOvr>
+    <a:masterClrMapping/>
+  </p:clrMapOvr>
+  <p:timing>
+    <p:tnLst>
+      <p:par>
+        <p:cTn id="1" dur="indefinite" restart="never" nodeType="tmRoot"/>
+      </p:par>
+    </p:tnLst>
+  </p:timing>
+</p:sld>
+</file>
+
+<file path=ppt/slides/slide11.xml><?xml version="1.0" encoding="utf-8"?>
+<p:sld xmlns:a="http://schemas.openxmlformats.org/drawingml/2006/main" xmlns:r="http://schemas.openxmlformats.org/officeDocument/2006/relationships" xmlns:p="http://schemas.openxmlformats.org/presentationml/2006/main">
+  <p:cSld>
+    <p:spTree>
+      <p:nvGrpSpPr>
+        <p:cNvPr id="1" name=""/>
+        <p:cNvGrpSpPr/>
+        <p:nvPr/>
+      </p:nvGrpSpPr>
+      <p:grpSpPr>
+        <a:xfrm>
+          <a:off x="0" y="0"/>
+          <a:ext cx="0" cy="0"/>
+          <a:chOff x="0" y="0"/>
+          <a:chExt cx="0" cy="0"/>
+        </a:xfrm>
+      </p:grpSpPr>
+      <p:sp>
+        <p:nvSpPr>
+          <p:cNvPr id="2" name="Заголовок 1"/>
+          <p:cNvSpPr>
+            <a:spLocks noGrp="1"/>
+          </p:cNvSpPr>
+          <p:nvPr>
+            <p:ph type="title"/>
+          </p:nvPr>
+        </p:nvSpPr>
+        <p:spPr/>
+        <p:txBody>
+          <a:bodyPr/>
+          <a:lstStyle/>
+          <a:p>
+            <a:r>
+              <a:rPr lang="ru-RU" dirty="0" smtClean="0">
+                <a:latin typeface="Times New Roman" pitchFamily="18" charset="0"/>
+                <a:cs typeface="Times New Roman" pitchFamily="18" charset="0"/>
+              </a:rPr>
+              <a:t>РАЗМЕЩЕНЕ </a:t>
+            </a:r>
+            <a:r>
+              <a:rPr lang="en-US" dirty="0" smtClean="0">
+                <a:latin typeface="Times New Roman" pitchFamily="18" charset="0"/>
+                <a:cs typeface="Times New Roman" pitchFamily="18" charset="0"/>
+              </a:rPr>
+              <a:t> </a:t>
+            </a:r>
+            <a:r>
+              <a:rPr lang="ru-RU" dirty="0" smtClean="0">
+                <a:latin typeface="Times New Roman" pitchFamily="18" charset="0"/>
+                <a:cs typeface="Times New Roman" pitchFamily="18" charset="0"/>
+              </a:rPr>
+              <a:t>ПРОЕКТА </a:t>
+            </a:r>
+            <a:r>
+              <a:rPr lang="en-US" dirty="0" smtClean="0">
+                <a:latin typeface="Times New Roman" pitchFamily="18" charset="0"/>
+                <a:cs typeface="Times New Roman" pitchFamily="18" charset="0"/>
+              </a:rPr>
+              <a:t> </a:t>
+            </a:r>
+            <a:r>
+              <a:rPr lang="ru-RU" dirty="0" smtClean="0">
+                <a:latin typeface="Times New Roman" pitchFamily="18" charset="0"/>
+                <a:cs typeface="Times New Roman" pitchFamily="18" charset="0"/>
+              </a:rPr>
+              <a:t>НА</a:t>
+            </a:r>
+            <a:r>
+              <a:rPr lang="en-US" dirty="0" smtClean="0">
+                <a:latin typeface="Times New Roman" pitchFamily="18" charset="0"/>
+                <a:cs typeface="Times New Roman" pitchFamily="18" charset="0"/>
+              </a:rPr>
+              <a:t> </a:t>
+            </a:r>
+            <a:r>
+              <a:rPr lang="ru-RU" dirty="0" smtClean="0">
+                <a:latin typeface="Times New Roman" pitchFamily="18" charset="0"/>
+                <a:cs typeface="Times New Roman" pitchFamily="18" charset="0"/>
+              </a:rPr>
+              <a:t> </a:t>
+            </a:r>
+            <a:r>
+              <a:rPr lang="en-US" dirty="0" smtClean="0">
+                <a:latin typeface="Times New Roman" pitchFamily="18" charset="0"/>
+                <a:cs typeface="Times New Roman" pitchFamily="18" charset="0"/>
+              </a:rPr>
+              <a:t>GIT</a:t>
+            </a:r>
+            <a:endParaRPr lang="ru-RU" dirty="0">
+              <a:latin typeface="Times New Roman" pitchFamily="18" charset="0"/>
+              <a:cs typeface="Times New Roman" pitchFamily="18" charset="0"/>
+            </a:endParaRPr>
+          </a:p>
+        </p:txBody>
+      </p:sp>
+      <p:sp>
+        <p:nvSpPr>
+          <p:cNvPr id="3" name="Содержимое 2"/>
+          <p:cNvSpPr>
+            <a:spLocks noGrp="1"/>
+          </p:cNvSpPr>
+          <p:nvPr>
+            <p:ph idx="1"/>
+          </p:nvPr>
+        </p:nvSpPr>
+        <p:spPr/>
+        <p:txBody>
+          <a:bodyPr>
+            <a:normAutofit lnSpcReduction="10000"/>
+          </a:bodyPr>
+          <a:lstStyle/>
+          <a:p>
+            <a:r>
+              <a:rPr lang="en-US" dirty="0" smtClean="0">
+                <a:latin typeface="Times New Roman" pitchFamily="18" charset="0"/>
+                <a:cs typeface="Times New Roman" pitchFamily="18" charset="0"/>
+                <a:hlinkClick r:id="rId2"/>
+              </a:rPr>
+              <a:t>https://</a:t>
+            </a:r>
+            <a:r>
+              <a:rPr lang="en-US" dirty="0" smtClean="0">
+                <a:latin typeface="Times New Roman" pitchFamily="18" charset="0"/>
+                <a:cs typeface="Times New Roman" pitchFamily="18" charset="0"/>
+                <a:hlinkClick r:id="rId2"/>
+              </a:rPr>
+              <a:t>github.com/ARIV2019/final-project-</a:t>
+            </a:r>
+            <a:endParaRPr lang="en-US" dirty="0" smtClean="0">
+              <a:latin typeface="Times New Roman" pitchFamily="18" charset="0"/>
+              <a:cs typeface="Times New Roman" pitchFamily="18" charset="0"/>
+            </a:endParaRPr>
+          </a:p>
+          <a:p>
+            <a:r>
+              <a:rPr lang="en-US" dirty="0" smtClean="0">
+                <a:latin typeface="Times New Roman" pitchFamily="18" charset="0"/>
+                <a:cs typeface="Times New Roman" pitchFamily="18" charset="0"/>
+              </a:rPr>
+              <a:t>/data  - </a:t>
+            </a:r>
+            <a:r>
+              <a:rPr lang="ru-RU" dirty="0" smtClean="0">
+                <a:latin typeface="Times New Roman" pitchFamily="18" charset="0"/>
+                <a:cs typeface="Times New Roman" pitchFamily="18" charset="0"/>
+              </a:rPr>
+              <a:t>исходные данные</a:t>
+            </a:r>
+          </a:p>
+          <a:p>
+            <a:r>
+              <a:rPr lang="en-US" dirty="0" smtClean="0">
+                <a:latin typeface="Times New Roman" pitchFamily="18" charset="0"/>
+                <a:cs typeface="Times New Roman" pitchFamily="18" charset="0"/>
+                <a:hlinkClick r:id="rId3" tooltip="README.md"/>
+              </a:rPr>
+              <a:t>README.md</a:t>
+            </a:r>
+            <a:r>
+              <a:rPr lang="ru-RU" dirty="0" smtClean="0">
+                <a:latin typeface="Times New Roman" pitchFamily="18" charset="0"/>
+                <a:cs typeface="Times New Roman" pitchFamily="18" charset="0"/>
+              </a:rPr>
+              <a:t> – описание проекта</a:t>
+            </a:r>
+          </a:p>
+          <a:p>
+            <a:r>
+              <a:rPr lang="ru-RU" dirty="0" smtClean="0">
+                <a:latin typeface="Times New Roman" pitchFamily="18" charset="0"/>
+                <a:cs typeface="Times New Roman" pitchFamily="18" charset="0"/>
+                <a:hlinkClick r:id="rId4" tooltip="Анализ холодных звонков.pptx"/>
+              </a:rPr>
+              <a:t>Анализ холодных звонков.</a:t>
+            </a:r>
+            <a:r>
+              <a:rPr lang="en-US" dirty="0" err="1" smtClean="0">
+                <a:latin typeface="Times New Roman" pitchFamily="18" charset="0"/>
+                <a:cs typeface="Times New Roman" pitchFamily="18" charset="0"/>
+                <a:hlinkClick r:id="rId4" tooltip="Анализ холодных звонков.pptx"/>
+              </a:rPr>
+              <a:t>pptx</a:t>
+            </a:r>
+            <a:r>
+              <a:rPr lang="ru-RU" dirty="0" smtClean="0">
+                <a:latin typeface="Times New Roman" pitchFamily="18" charset="0"/>
+                <a:cs typeface="Times New Roman" pitchFamily="18" charset="0"/>
+              </a:rPr>
+              <a:t> - </a:t>
+            </a:r>
+            <a:r>
+              <a:rPr lang="ru-RU" sz="2400" dirty="0" smtClean="0">
+                <a:latin typeface="Times New Roman" pitchFamily="18" charset="0"/>
+                <a:cs typeface="Times New Roman" pitchFamily="18" charset="0"/>
+              </a:rPr>
+              <a:t>презентация</a:t>
+            </a:r>
+          </a:p>
+          <a:p>
+            <a:r>
+              <a:rPr lang="en-US" dirty="0" err="1" smtClean="0">
+                <a:latin typeface="Times New Roman" pitchFamily="18" charset="0"/>
+                <a:cs typeface="Times New Roman" pitchFamily="18" charset="0"/>
+                <a:hlinkClick r:id="rId5" tooltip="finalProject.ipynb"/>
+              </a:rPr>
+              <a:t>finalProject.ipynb</a:t>
+            </a:r>
+            <a:r>
+              <a:rPr lang="ru-RU" dirty="0" smtClean="0">
+                <a:latin typeface="Times New Roman" pitchFamily="18" charset="0"/>
+                <a:cs typeface="Times New Roman" pitchFamily="18" charset="0"/>
+              </a:rPr>
+              <a:t> – анализ данных и         построение модели</a:t>
+            </a:r>
+            <a:endParaRPr lang="ru-RU" dirty="0" smtClean="0">
+              <a:latin typeface="Times New Roman" pitchFamily="18" charset="0"/>
+              <a:cs typeface="Times New Roman" pitchFamily="18" charset="0"/>
+            </a:endParaRPr>
+          </a:p>
+          <a:p>
+            <a:r>
+              <a:rPr lang="en-US" dirty="0" smtClean="0">
+                <a:latin typeface="Times New Roman" pitchFamily="18" charset="0"/>
+                <a:cs typeface="Times New Roman" pitchFamily="18" charset="0"/>
+                <a:hlinkClick r:id="rId6" tooltip="IVoznenko_car_insurance.csv"/>
+              </a:rPr>
+              <a:t>IVoznenko_car_insurance.csv</a:t>
+            </a:r>
+            <a:r>
+              <a:rPr lang="ru-RU" dirty="0" smtClean="0">
+                <a:latin typeface="Times New Roman" pitchFamily="18" charset="0"/>
+                <a:cs typeface="Times New Roman" pitchFamily="18" charset="0"/>
+              </a:rPr>
+              <a:t> – предсказание(</a:t>
+            </a:r>
+            <a:r>
+              <a:rPr lang="en-US" dirty="0" smtClean="0">
+                <a:latin typeface="Times New Roman" pitchFamily="18" charset="0"/>
+                <a:cs typeface="Times New Roman" pitchFamily="18" charset="0"/>
+              </a:rPr>
+              <a:t>id </a:t>
+            </a:r>
+            <a:r>
+              <a:rPr lang="ru-RU" dirty="0" smtClean="0">
+                <a:latin typeface="Times New Roman" pitchFamily="18" charset="0"/>
+                <a:cs typeface="Times New Roman" pitchFamily="18" charset="0"/>
+              </a:rPr>
+              <a:t>клиентов, готовых купить страховку)</a:t>
+            </a:r>
           </a:p>
         </p:txBody>
       </p:sp>
@@ -7857,7 +8141,117 @@
                 <a:ea typeface="+mj-ea"/>
                 <a:cs typeface="Times New Roman" pitchFamily="18" charset="0"/>
               </a:rPr>
-              <a:t>Очень много текстовых данных. Будем их преобразовывать</a:t>
+              <a:t>-Очень </a:t>
+            </a:r>
+            <a:r>
+              <a:rPr lang="ru-RU" sz="2800" spc="-100" dirty="0" smtClean="0">
+                <a:solidFill>
+                  <a:schemeClr val="tx2">
+                    <a:satMod val="200000"/>
+                  </a:schemeClr>
+                </a:solidFill>
+                <a:latin typeface="Times New Roman" pitchFamily="18" charset="0"/>
+                <a:ea typeface="+mj-ea"/>
+                <a:cs typeface="Times New Roman" pitchFamily="18" charset="0"/>
+              </a:rPr>
+              <a:t>много текстовых </a:t>
+            </a:r>
+            <a:r>
+              <a:rPr lang="ru-RU" sz="2800" spc="-100" dirty="0" smtClean="0">
+                <a:solidFill>
+                  <a:schemeClr val="tx2">
+                    <a:satMod val="200000"/>
+                  </a:schemeClr>
+                </a:solidFill>
+                <a:latin typeface="Times New Roman" pitchFamily="18" charset="0"/>
+                <a:ea typeface="+mj-ea"/>
+                <a:cs typeface="Times New Roman" pitchFamily="18" charset="0"/>
+              </a:rPr>
+              <a:t>данных.      Будем </a:t>
+            </a:r>
+            <a:r>
+              <a:rPr lang="ru-RU" sz="2800" spc="-100" dirty="0" smtClean="0">
+                <a:solidFill>
+                  <a:schemeClr val="tx2">
+                    <a:satMod val="200000"/>
+                  </a:schemeClr>
+                </a:solidFill>
+                <a:latin typeface="Times New Roman" pitchFamily="18" charset="0"/>
+                <a:ea typeface="+mj-ea"/>
+                <a:cs typeface="Times New Roman" pitchFamily="18" charset="0"/>
+              </a:rPr>
+              <a:t>их </a:t>
+            </a:r>
+            <a:r>
+              <a:rPr lang="ru-RU" sz="2800" spc="-100" dirty="0" smtClean="0">
+                <a:solidFill>
+                  <a:schemeClr val="tx2">
+                    <a:satMod val="200000"/>
+                  </a:schemeClr>
+                </a:solidFill>
+                <a:latin typeface="Times New Roman" pitchFamily="18" charset="0"/>
+                <a:ea typeface="+mj-ea"/>
+                <a:cs typeface="Times New Roman" pitchFamily="18" charset="0"/>
+              </a:rPr>
+              <a:t>преобразовывать</a:t>
+            </a:r>
+            <a:r>
+              <a:rPr lang="en-US" sz="2800" spc="-100" dirty="0" smtClean="0">
+                <a:solidFill>
+                  <a:schemeClr val="tx2">
+                    <a:satMod val="200000"/>
+                  </a:schemeClr>
+                </a:solidFill>
+                <a:latin typeface="Times New Roman" pitchFamily="18" charset="0"/>
+                <a:ea typeface="+mj-ea"/>
+                <a:cs typeface="Times New Roman" pitchFamily="18" charset="0"/>
+              </a:rPr>
+              <a:t>.</a:t>
+            </a:r>
+          </a:p>
+          <a:p>
+            <a:pPr lvl="0">
+              <a:spcBef>
+                <a:spcPct val="0"/>
+              </a:spcBef>
+            </a:pPr>
+            <a:r>
+              <a:rPr kumimoji="0" lang="ru-RU" sz="2800" b="0" i="0" u="none" strike="noStrike" kern="1200" cap="none" spc="-100" normalizeH="0" baseline="0" noProof="0" dirty="0" smtClean="0">
+                <a:ln>
+                  <a:noFill/>
+                </a:ln>
+                <a:solidFill>
+                  <a:schemeClr val="tx2">
+                    <a:satMod val="200000"/>
+                  </a:schemeClr>
+                </a:solidFill>
+                <a:effectLst/>
+                <a:uLnTx/>
+                <a:uFillTx/>
+                <a:latin typeface="Times New Roman" pitchFamily="18" charset="0"/>
+                <a:ea typeface="+mj-ea"/>
+                <a:cs typeface="Times New Roman" pitchFamily="18" charset="0"/>
+              </a:rPr>
+              <a:t>-Будем добавляем</a:t>
+            </a:r>
+            <a:r>
+              <a:rPr kumimoji="0" lang="ru-RU" sz="2800" b="0" i="0" u="none" strike="noStrike" kern="1200" cap="none" spc="-100" normalizeH="0" noProof="0" dirty="0" smtClean="0">
+                <a:ln>
+                  <a:noFill/>
+                </a:ln>
+                <a:solidFill>
+                  <a:schemeClr val="tx2">
+                    <a:satMod val="200000"/>
+                  </a:schemeClr>
+                </a:solidFill>
+                <a:effectLst/>
+                <a:uLnTx/>
+                <a:uFillTx/>
+                <a:latin typeface="Times New Roman" pitchFamily="18" charset="0"/>
+                <a:ea typeface="+mj-ea"/>
+                <a:cs typeface="Times New Roman" pitchFamily="18" charset="0"/>
+              </a:rPr>
+              <a:t> в модель дополнительные признаки</a:t>
             </a:r>
             <a:endParaRPr kumimoji="0" lang="ru-RU" sz="2800" b="0" i="0" u="none" strike="noStrike" kern="1200" cap="none" spc="-100" normalizeH="0" baseline="0" noProof="0" dirty="0">
               <a:ln>
@@ -8069,8 +8463,8 @@
         </p:blipFill>
         <p:spPr bwMode="auto">
           <a:xfrm>
-            <a:off x="1373521" y="1784350"/>
-            <a:ext cx="6854158" cy="4572000"/>
+            <a:off x="1295400" y="1143000"/>
+            <a:ext cx="6854158" cy="4114800"/>
           </a:xfrm>
           <a:prstGeom prst="rect">
             <a:avLst/>
@@ -8085,6 +8479,72 @@
           <a:effectLst/>
         </p:spPr>
       </p:pic>
+      <p:sp>
+        <p:nvSpPr>
+          <p:cNvPr id="5" name="Содержимое 2"/>
+          <p:cNvSpPr txBox="1">
+            <a:spLocks/>
+          </p:cNvSpPr>
+          <p:nvPr/>
+        </p:nvSpPr>
+        <p:spPr>
+          <a:xfrm>
+            <a:off x="914400" y="5410200"/>
+            <a:ext cx="7772400" cy="945360"/>
+          </a:xfrm>
+          <a:prstGeom prst="rect">
+            <a:avLst/>
+          </a:prstGeom>
+        </p:spPr>
+        <p:txBody>
+          <a:bodyPr vert="horz">
+            <a:normAutofit/>
+          </a:bodyPr>
+          <a:lstStyle/>
+          <a:p>
+            <a:pPr marL="411480" marR="0" lvl="0" indent="-342900" algn="l" defTabSz="914400" rtl="0" eaLnBrk="1" fontAlgn="auto" latinLnBrk="0" hangingPunct="1">
+              <a:lnSpc>
+                <a:spcPct val="100000"/>
+              </a:lnSpc>
+              <a:spcBef>
+                <a:spcPts val="700"/>
+              </a:spcBef>
+              <a:spcAft>
+                <a:spcPts val="0"/>
+              </a:spcAft>
+              <a:buClr>
+                <a:schemeClr val="tx2"/>
+              </a:buClr>
+              <a:buSzPct val="95000"/>
+              <a:buFont typeface="Wingdings"/>
+              <a:buChar char=""/>
+              <a:tabLst/>
+              <a:defRPr/>
+            </a:pPr>
+            <a:r>
+              <a:rPr lang="ru-RU" sz="2000" dirty="0" smtClean="0">
+                <a:latin typeface="Times New Roman" pitchFamily="18" charset="0"/>
+                <a:cs typeface="Times New Roman" pitchFamily="18" charset="0"/>
+              </a:rPr>
+              <a:t>Будем анализировать зависимость различных показателей и в модели оставим только значимые показатели</a:t>
+            </a:r>
+            <a:endParaRPr kumimoji="0" lang="ru-RU" sz="2000" b="0" i="0" u="none" strike="noStrike" kern="1200" cap="none" spc="0" normalizeH="0" baseline="0" noProof="0" dirty="0" smtClean="0">
+              <a:ln>
+                <a:noFill/>
+              </a:ln>
+              <a:solidFill>
+                <a:schemeClr val="tx1"/>
+              </a:solidFill>
+              <a:effectLst/>
+              <a:uLnTx/>
+              <a:uFillTx/>
+              <a:latin typeface="Times New Roman" pitchFamily="18" charset="0"/>
+              <a:ea typeface="+mn-ea"/>
+              <a:cs typeface="Times New Roman" pitchFamily="18" charset="0"/>
+            </a:endParaRPr>
+          </a:p>
+        </p:txBody>
+      </p:sp>
     </p:spTree>
   </p:cSld>
   <p:clrMapOvr>
@@ -8159,7 +8619,7 @@
         <p:spPr/>
         <p:txBody>
           <a:bodyPr>
-            <a:normAutofit/>
+            <a:normAutofit lnSpcReduction="10000"/>
           </a:bodyPr>
           <a:lstStyle/>
           <a:p>
@@ -8171,11 +8631,32 @@
               <a:t>Сроим модель предсказания  на основании </a:t>
             </a:r>
             <a:r>
+              <a:rPr lang="en-US" sz="3200" dirty="0" err="1" smtClean="0">
+                <a:latin typeface="Times New Roman" pitchFamily="18" charset="0"/>
+                <a:cs typeface="Times New Roman" pitchFamily="18" charset="0"/>
+              </a:rPr>
+              <a:t>GradientBoostingClassifier</a:t>
+            </a:r>
+            <a:r>
+              <a:rPr lang="ru-RU" sz="3200" dirty="0" smtClean="0">
+                <a:latin typeface="Times New Roman" pitchFamily="18" charset="0"/>
+                <a:cs typeface="Times New Roman" pitchFamily="18" charset="0"/>
+              </a:rPr>
+              <a:t> </a:t>
+            </a:r>
+            <a:r>
+              <a:rPr lang="ru-RU" sz="3200" dirty="0" smtClean="0">
+                <a:latin typeface="Times New Roman" pitchFamily="18" charset="0"/>
+                <a:cs typeface="Times New Roman" pitchFamily="18" charset="0"/>
+              </a:rPr>
+              <a:t>с подготовленными нами признаками.</a:t>
+            </a:r>
+            <a:r>
               <a:rPr lang="en-US" sz="3200" dirty="0" smtClean="0">
                 <a:latin typeface="Times New Roman" pitchFamily="18" charset="0"/>
                 <a:cs typeface="Times New Roman" pitchFamily="18" charset="0"/>
               </a:rPr>
-              <a:t>GradientBoostingClassifier </a:t>
+              <a:t> </a:t>
             </a:r>
             <a:endParaRPr lang="ru-RU" sz="3200" dirty="0" smtClean="0">
               <a:latin typeface="Times New Roman" pitchFamily="18" charset="0"/>
@@ -8220,6 +8701,62 @@
               </a:rPr>
               <a:t>:</a:t>
             </a:r>
+            <a:r>
+              <a:rPr lang="en-US" sz="2000" dirty="0" smtClean="0">
+                <a:latin typeface="Times New Roman" pitchFamily="18" charset="0"/>
+                <a:cs typeface="Times New Roman" pitchFamily="18" charset="0"/>
+                <a:hlinkClick r:id="rId2"/>
+              </a:rPr>
+              <a:t>https://</a:t>
+            </a:r>
+            <a:r>
+              <a:rPr lang="en-US" sz="2000" dirty="0" smtClean="0">
+                <a:latin typeface="Times New Roman" pitchFamily="18" charset="0"/>
+                <a:cs typeface="Times New Roman" pitchFamily="18" charset="0"/>
+                <a:hlinkClick r:id="rId2"/>
+              </a:rPr>
+              <a:t>github.com/ARIV2019/final-project-</a:t>
+            </a:r>
+            <a:endParaRPr lang="ru-RU" sz="2000" dirty="0" smtClean="0">
+              <a:latin typeface="Times New Roman" pitchFamily="18" charset="0"/>
+              <a:cs typeface="Times New Roman" pitchFamily="18" charset="0"/>
+            </a:endParaRPr>
+          </a:p>
+          <a:p>
+            <a:endParaRPr lang="en-US" sz="2000" dirty="0" smtClean="0">
+              <a:latin typeface="Times New Roman" pitchFamily="18" charset="0"/>
+              <a:cs typeface="Times New Roman" pitchFamily="18" charset="0"/>
+            </a:endParaRPr>
+          </a:p>
+          <a:p>
+            <a:r>
+              <a:rPr lang="ru-RU" sz="2000" dirty="0" smtClean="0">
+                <a:latin typeface="Times New Roman" pitchFamily="18" charset="0"/>
+                <a:cs typeface="Times New Roman" pitchFamily="18" charset="0"/>
+                <a:hlinkClick r:id="rId3" tooltip="finalProject.ipynb"/>
+              </a:rPr>
+              <a:t>Файл </a:t>
+            </a:r>
+            <a:r>
+              <a:rPr lang="en-US" sz="2000" dirty="0" smtClean="0">
+                <a:latin typeface="Times New Roman" pitchFamily="18" charset="0"/>
+                <a:cs typeface="Times New Roman" pitchFamily="18" charset="0"/>
+                <a:hlinkClick r:id="rId3" tooltip="finalProject.ipynb"/>
+              </a:rPr>
+              <a:t>: </a:t>
+            </a:r>
+            <a:r>
+              <a:rPr lang="en-US" sz="2000" dirty="0" err="1" smtClean="0">
+                <a:latin typeface="Times New Roman" pitchFamily="18" charset="0"/>
+                <a:cs typeface="Times New Roman" pitchFamily="18" charset="0"/>
+                <a:hlinkClick r:id="rId3" tooltip="finalProject.ipynb"/>
+              </a:rPr>
+              <a:t>finalProject.ipynb</a:t>
+            </a:r>
+            <a:endParaRPr lang="en-US" sz="2000" dirty="0" smtClean="0">
+              <a:latin typeface="Times New Roman" pitchFamily="18" charset="0"/>
+              <a:cs typeface="Times New Roman" pitchFamily="18" charset="0"/>
+            </a:endParaRPr>
           </a:p>
           <a:p>
             <a:endParaRPr lang="en-US" sz="2000" dirty="0" smtClean="0">
